--- a/Docs/python-basics.pptx
+++ b/Docs/python-basics.pptx
@@ -5,7 +5,7 @@
     <p:sldMasterId id="2147483648" r:id="rId1"/>
   </p:sldMasterIdLst>
   <p:notesMasterIdLst>
-    <p:notesMasterId r:id="rId37"/>
+    <p:notesMasterId r:id="rId40"/>
   </p:notesMasterIdLst>
   <p:sldIdLst>
     <p:sldId id="256" r:id="rId2"/>
@@ -43,6 +43,9 @@
     <p:sldId id="290" r:id="rId34"/>
     <p:sldId id="291" r:id="rId35"/>
     <p:sldId id="292" r:id="rId36"/>
+    <p:sldId id="293" r:id="rId37"/>
+    <p:sldId id="294" r:id="rId38"/>
+    <p:sldId id="295" r:id="rId39"/>
   </p:sldIdLst>
   <p:sldSz cx="9144000" cy="6858000" type="screen4x3"/>
   <p:notesSz cx="6858000" cy="9144000"/>
@@ -14205,6 +14208,450 @@
     <p:extLst>
       <p:ext uri="{BB962C8B-B14F-4D97-AF65-F5344CB8AC3E}">
         <p14:creationId xmlns:p14="http://schemas.microsoft.com/office/powerpoint/2010/main" val="791838263"/>
+      </p:ext>
+    </p:extLst>
+  </p:cSld>
+  <p:clrMapOvr>
+    <a:masterClrMapping/>
+  </p:clrMapOvr>
+</p:sld>
+</file>
+
+<file path=ppt/slides/slide36.xml><?xml version="1.0" encoding="utf-8"?>
+<p:sld xmlns:a="http://schemas.openxmlformats.org/drawingml/2006/main" xmlns:r="http://schemas.openxmlformats.org/officeDocument/2006/relationships" xmlns:p="http://schemas.openxmlformats.org/presentationml/2006/main">
+  <p:cSld>
+    <p:spTree>
+      <p:nvGrpSpPr>
+        <p:cNvPr id="1" name=""/>
+        <p:cNvGrpSpPr/>
+        <p:nvPr/>
+      </p:nvGrpSpPr>
+      <p:grpSpPr>
+        <a:xfrm>
+          <a:off x="0" y="0"/>
+          <a:ext cx="0" cy="0"/>
+          <a:chOff x="0" y="0"/>
+          <a:chExt cx="0" cy="0"/>
+        </a:xfrm>
+      </p:grpSpPr>
+      <p:sp>
+        <p:nvSpPr>
+          <p:cNvPr id="2" name="Title 1">
+            <a:extLst>
+              <a:ext uri="{FF2B5EF4-FFF2-40B4-BE49-F238E27FC236}">
+                <a16:creationId xmlns:a16="http://schemas.microsoft.com/office/drawing/2014/main" id="{6B5D75E8-627E-CA5D-09BD-62FD99F0EB3C}"/>
+              </a:ext>
+            </a:extLst>
+          </p:cNvPr>
+          <p:cNvSpPr>
+            <a:spLocks noGrp="1"/>
+          </p:cNvSpPr>
+          <p:nvPr>
+            <p:ph type="title"/>
+          </p:nvPr>
+        </p:nvSpPr>
+        <p:spPr/>
+        <p:txBody>
+          <a:bodyPr/>
+          <a:lstStyle/>
+          <a:p>
+            <a:r>
+              <a:rPr lang="en-US" dirty="0"/>
+              <a:t>Database connectivity</a:t>
+            </a:r>
+            <a:endParaRPr lang="en-IN" dirty="0"/>
+          </a:p>
+        </p:txBody>
+      </p:sp>
+      <p:sp>
+        <p:nvSpPr>
+          <p:cNvPr id="3" name="Content Placeholder 2">
+            <a:extLst>
+              <a:ext uri="{FF2B5EF4-FFF2-40B4-BE49-F238E27FC236}">
+                <a16:creationId xmlns:a16="http://schemas.microsoft.com/office/drawing/2014/main" id="{DEB4F8EB-EE03-1D5B-C031-55DDBEF40658}"/>
+              </a:ext>
+            </a:extLst>
+          </p:cNvPr>
+          <p:cNvSpPr>
+            <a:spLocks noGrp="1"/>
+          </p:cNvSpPr>
+          <p:nvPr>
+            <p:ph idx="1"/>
+          </p:nvPr>
+        </p:nvSpPr>
+        <p:spPr/>
+        <p:txBody>
+          <a:bodyPr/>
+          <a:lstStyle/>
+          <a:p>
+            <a:pPr eaLnBrk="1" hangingPunct="1"/>
+            <a:r>
+              <a:rPr lang="en-US" dirty="0"/>
+              <a:t>MySQL Connector/Python enables Python programs to access MySQL databases, using an API that is compliant with the Python Database API Specification.</a:t>
+            </a:r>
+          </a:p>
+          <a:p>
+            <a:pPr eaLnBrk="1" hangingPunct="1"/>
+            <a:r>
+              <a:rPr lang="en-US" dirty="0"/>
+              <a:t>Install the following module</a:t>
+            </a:r>
+          </a:p>
+          <a:p>
+            <a:pPr lvl="1" eaLnBrk="1" hangingPunct="1"/>
+            <a:r>
+              <a:rPr lang="en-IN" b="1" dirty="0"/>
+              <a:t>pip install </a:t>
+            </a:r>
+            <a:r>
+              <a:rPr lang="en-IN" b="1" dirty="0" err="1"/>
+              <a:t>mysql</a:t>
+            </a:r>
+            <a:r>
+              <a:rPr lang="en-IN" b="1" dirty="0"/>
+              <a:t>-connector-python</a:t>
+            </a:r>
+          </a:p>
+          <a:p>
+            <a:pPr lvl="1" eaLnBrk="1" hangingPunct="1"/>
+            <a:endParaRPr lang="en-IN" dirty="0"/>
+          </a:p>
+          <a:p>
+            <a:pPr marL="0" indent="0" eaLnBrk="1" hangingPunct="1">
+              <a:buNone/>
+            </a:pPr>
+            <a:endParaRPr lang="en-IN" dirty="0"/>
+          </a:p>
+        </p:txBody>
+      </p:sp>
+      <p:pic>
+        <p:nvPicPr>
+          <p:cNvPr id="6" name="Picture 5">
+            <a:extLst>
+              <a:ext uri="{FF2B5EF4-FFF2-40B4-BE49-F238E27FC236}">
+                <a16:creationId xmlns:a16="http://schemas.microsoft.com/office/drawing/2014/main" id="{8804053D-7D65-C181-F0A0-BE1D36B35BF3}"/>
+              </a:ext>
+            </a:extLst>
+          </p:cNvPr>
+          <p:cNvPicPr>
+            <a:picLocks noChangeAspect="1"/>
+          </p:cNvPicPr>
+          <p:nvPr/>
+        </p:nvPicPr>
+        <p:blipFill>
+          <a:blip r:embed="rId2"/>
+          <a:stretch>
+            <a:fillRect/>
+          </a:stretch>
+        </p:blipFill>
+        <p:spPr>
+          <a:xfrm>
+            <a:off x="685800" y="3440837"/>
+            <a:ext cx="4381500" cy="2914650"/>
+          </a:xfrm>
+          <a:prstGeom prst="rect">
+            <a:avLst/>
+          </a:prstGeom>
+        </p:spPr>
+      </p:pic>
+    </p:spTree>
+    <p:extLst>
+      <p:ext uri="{BB962C8B-B14F-4D97-AF65-F5344CB8AC3E}">
+        <p14:creationId xmlns:p14="http://schemas.microsoft.com/office/powerpoint/2010/main" val="1842171045"/>
+      </p:ext>
+    </p:extLst>
+  </p:cSld>
+  <p:clrMapOvr>
+    <a:masterClrMapping/>
+  </p:clrMapOvr>
+</p:sld>
+</file>
+
+<file path=ppt/slides/slide37.xml><?xml version="1.0" encoding="utf-8"?>
+<p:sld xmlns:a="http://schemas.openxmlformats.org/drawingml/2006/main" xmlns:r="http://schemas.openxmlformats.org/officeDocument/2006/relationships" xmlns:p="http://schemas.openxmlformats.org/presentationml/2006/main">
+  <p:cSld>
+    <p:spTree>
+      <p:nvGrpSpPr>
+        <p:cNvPr id="1" name=""/>
+        <p:cNvGrpSpPr/>
+        <p:nvPr/>
+      </p:nvGrpSpPr>
+      <p:grpSpPr>
+        <a:xfrm>
+          <a:off x="0" y="0"/>
+          <a:ext cx="0" cy="0"/>
+          <a:chOff x="0" y="0"/>
+          <a:chExt cx="0" cy="0"/>
+        </a:xfrm>
+      </p:grpSpPr>
+      <p:sp>
+        <p:nvSpPr>
+          <p:cNvPr id="2" name="Title 1">
+            <a:extLst>
+              <a:ext uri="{FF2B5EF4-FFF2-40B4-BE49-F238E27FC236}">
+                <a16:creationId xmlns:a16="http://schemas.microsoft.com/office/drawing/2014/main" id="{6B5D75E8-627E-CA5D-09BD-62FD99F0EB3C}"/>
+              </a:ext>
+            </a:extLst>
+          </p:cNvPr>
+          <p:cNvSpPr>
+            <a:spLocks noGrp="1"/>
+          </p:cNvSpPr>
+          <p:nvPr>
+            <p:ph type="title"/>
+          </p:nvPr>
+        </p:nvSpPr>
+        <p:spPr/>
+        <p:txBody>
+          <a:bodyPr/>
+          <a:lstStyle/>
+          <a:p>
+            <a:r>
+              <a:rPr lang="en-US" dirty="0"/>
+              <a:t>Querying the database</a:t>
+            </a:r>
+            <a:endParaRPr lang="en-IN" dirty="0"/>
+          </a:p>
+        </p:txBody>
+      </p:sp>
+      <p:sp>
+        <p:nvSpPr>
+          <p:cNvPr id="3" name="Content Placeholder 2">
+            <a:extLst>
+              <a:ext uri="{FF2B5EF4-FFF2-40B4-BE49-F238E27FC236}">
+                <a16:creationId xmlns:a16="http://schemas.microsoft.com/office/drawing/2014/main" id="{DEB4F8EB-EE03-1D5B-C031-55DDBEF40658}"/>
+              </a:ext>
+            </a:extLst>
+          </p:cNvPr>
+          <p:cNvSpPr>
+            <a:spLocks noGrp="1"/>
+          </p:cNvSpPr>
+          <p:nvPr>
+            <p:ph idx="1"/>
+          </p:nvPr>
+        </p:nvSpPr>
+        <p:spPr/>
+        <p:txBody>
+          <a:bodyPr/>
+          <a:lstStyle/>
+          <a:p>
+            <a:pPr eaLnBrk="1" hangingPunct="1"/>
+            <a:r>
+              <a:rPr lang="en-US" sz="2000" b="1" dirty="0"/>
+              <a:t>Use the cursor() method</a:t>
+            </a:r>
+          </a:p>
+          <a:p>
+            <a:pPr marL="0" indent="0" eaLnBrk="1" hangingPunct="1">
+              <a:buNone/>
+            </a:pPr>
+            <a:r>
+              <a:rPr lang="en-US" sz="2000" dirty="0"/>
+              <a:t>Use the cursor() method of a MySQLConnection object to create a cursor object to perform various SQL operations.</a:t>
+            </a:r>
+          </a:p>
+          <a:p>
+            <a:pPr marL="0" indent="0" eaLnBrk="1" hangingPunct="1">
+              <a:buNone/>
+            </a:pPr>
+            <a:endParaRPr lang="en-US" sz="2000" dirty="0"/>
+          </a:p>
+          <a:p>
+            <a:pPr eaLnBrk="1" hangingPunct="1"/>
+            <a:r>
+              <a:rPr lang="en-US" sz="2000" b="1" dirty="0"/>
+              <a:t>Use the execute() method.</a:t>
+            </a:r>
+          </a:p>
+          <a:p>
+            <a:pPr marL="0" indent="0" eaLnBrk="1" hangingPunct="1">
+              <a:buNone/>
+            </a:pPr>
+            <a:r>
+              <a:rPr lang="en-US" sz="2000" dirty="0"/>
+              <a:t>The execute() methods run the SQL query and return the result.</a:t>
+            </a:r>
+          </a:p>
+          <a:p>
+            <a:pPr marL="0" indent="0" eaLnBrk="1" hangingPunct="1">
+              <a:buNone/>
+            </a:pPr>
+            <a:endParaRPr lang="en-US" sz="2000" dirty="0"/>
+          </a:p>
+          <a:p>
+            <a:pPr eaLnBrk="1" hangingPunct="1"/>
+            <a:r>
+              <a:rPr lang="en-US" sz="2000" b="1" dirty="0"/>
+              <a:t>Extract result using fetchall()</a:t>
+            </a:r>
+          </a:p>
+          <a:p>
+            <a:pPr marL="0" indent="0" eaLnBrk="1" hangingPunct="1">
+              <a:buNone/>
+            </a:pPr>
+            <a:r>
+              <a:rPr lang="en-US" sz="2000" dirty="0"/>
+              <a:t>Use cursor.fetchall() or fetchone() or fetchmany() to read query result.</a:t>
+            </a:r>
+          </a:p>
+          <a:p>
+            <a:pPr marL="0" indent="0" eaLnBrk="1" hangingPunct="1">
+              <a:buNone/>
+            </a:pPr>
+            <a:endParaRPr lang="en-US" sz="2000" dirty="0"/>
+          </a:p>
+          <a:p>
+            <a:pPr eaLnBrk="1" hangingPunct="1"/>
+            <a:r>
+              <a:rPr lang="en-US" sz="2000" b="1" dirty="0"/>
+              <a:t>Close cursor and connection objects.</a:t>
+            </a:r>
+          </a:p>
+          <a:p>
+            <a:pPr marL="0" indent="0" eaLnBrk="1" hangingPunct="1">
+              <a:buNone/>
+            </a:pPr>
+            <a:r>
+              <a:rPr lang="en-US" sz="2000" dirty="0"/>
+              <a:t>use cursor.close() and </a:t>
+            </a:r>
+            <a:r>
+              <a:rPr lang="en-US" sz="2000" dirty="0" err="1"/>
+              <a:t>connection.close</a:t>
+            </a:r>
+            <a:r>
+              <a:rPr lang="en-US" sz="2000" dirty="0"/>
+              <a:t>() method to close open connections after your work completes.</a:t>
+            </a:r>
+          </a:p>
+          <a:p>
+            <a:pPr eaLnBrk="1" hangingPunct="1"/>
+            <a:endParaRPr lang="en-US" sz="2000" dirty="0"/>
+          </a:p>
+        </p:txBody>
+      </p:sp>
+    </p:spTree>
+    <p:extLst>
+      <p:ext uri="{BB962C8B-B14F-4D97-AF65-F5344CB8AC3E}">
+        <p14:creationId xmlns:p14="http://schemas.microsoft.com/office/powerpoint/2010/main" val="3235054788"/>
+      </p:ext>
+    </p:extLst>
+  </p:cSld>
+  <p:clrMapOvr>
+    <a:masterClrMapping/>
+  </p:clrMapOvr>
+</p:sld>
+</file>
+
+<file path=ppt/slides/slide38.xml><?xml version="1.0" encoding="utf-8"?>
+<p:sld xmlns:a="http://schemas.openxmlformats.org/drawingml/2006/main" xmlns:r="http://schemas.openxmlformats.org/officeDocument/2006/relationships" xmlns:p="http://schemas.openxmlformats.org/presentationml/2006/main">
+  <p:cSld>
+    <p:spTree>
+      <p:nvGrpSpPr>
+        <p:cNvPr id="1" name=""/>
+        <p:cNvGrpSpPr/>
+        <p:nvPr/>
+      </p:nvGrpSpPr>
+      <p:grpSpPr>
+        <a:xfrm>
+          <a:off x="0" y="0"/>
+          <a:ext cx="0" cy="0"/>
+          <a:chOff x="0" y="0"/>
+          <a:chExt cx="0" cy="0"/>
+        </a:xfrm>
+      </p:grpSpPr>
+      <p:sp>
+        <p:nvSpPr>
+          <p:cNvPr id="2" name="Title 1">
+            <a:extLst>
+              <a:ext uri="{FF2B5EF4-FFF2-40B4-BE49-F238E27FC236}">
+                <a16:creationId xmlns:a16="http://schemas.microsoft.com/office/drawing/2014/main" id="{6B5D75E8-627E-CA5D-09BD-62FD99F0EB3C}"/>
+              </a:ext>
+            </a:extLst>
+          </p:cNvPr>
+          <p:cNvSpPr>
+            <a:spLocks noGrp="1"/>
+          </p:cNvSpPr>
+          <p:nvPr>
+            <p:ph type="title"/>
+          </p:nvPr>
+        </p:nvSpPr>
+        <p:spPr/>
+        <p:txBody>
+          <a:bodyPr/>
+          <a:lstStyle/>
+          <a:p>
+            <a:r>
+              <a:rPr lang="en-US" dirty="0"/>
+              <a:t>Running queries</a:t>
+            </a:r>
+            <a:endParaRPr lang="en-IN" dirty="0"/>
+          </a:p>
+        </p:txBody>
+      </p:sp>
+      <p:pic>
+        <p:nvPicPr>
+          <p:cNvPr id="5" name="Picture 4">
+            <a:extLst>
+              <a:ext uri="{FF2B5EF4-FFF2-40B4-BE49-F238E27FC236}">
+                <a16:creationId xmlns:a16="http://schemas.microsoft.com/office/drawing/2014/main" id="{F2053810-CDCB-8850-1521-CBA05E8B6B20}"/>
+              </a:ext>
+            </a:extLst>
+          </p:cNvPr>
+          <p:cNvPicPr>
+            <a:picLocks noChangeAspect="1"/>
+          </p:cNvPicPr>
+          <p:nvPr/>
+        </p:nvPicPr>
+        <p:blipFill>
+          <a:blip r:embed="rId2"/>
+          <a:stretch>
+            <a:fillRect/>
+          </a:stretch>
+        </p:blipFill>
+        <p:spPr>
+          <a:xfrm>
+            <a:off x="1676400" y="1295400"/>
+            <a:ext cx="5867400" cy="3639873"/>
+          </a:xfrm>
+          <a:prstGeom prst="rect">
+            <a:avLst/>
+          </a:prstGeom>
+        </p:spPr>
+      </p:pic>
+      <p:pic>
+        <p:nvPicPr>
+          <p:cNvPr id="6" name="Picture 5">
+            <a:extLst>
+              <a:ext uri="{FF2B5EF4-FFF2-40B4-BE49-F238E27FC236}">
+                <a16:creationId xmlns:a16="http://schemas.microsoft.com/office/drawing/2014/main" id="{7C8B8B17-577A-BE4A-45E3-A98D1A5CED78}"/>
+              </a:ext>
+            </a:extLst>
+          </p:cNvPr>
+          <p:cNvPicPr>
+            <a:picLocks noChangeAspect="1"/>
+          </p:cNvPicPr>
+          <p:nvPr/>
+        </p:nvPicPr>
+        <p:blipFill>
+          <a:blip r:embed="rId3"/>
+          <a:stretch>
+            <a:fillRect/>
+          </a:stretch>
+        </p:blipFill>
+        <p:spPr>
+          <a:xfrm>
+            <a:off x="381000" y="5334000"/>
+            <a:ext cx="8658225" cy="1000125"/>
+          </a:xfrm>
+          <a:prstGeom prst="rect">
+            <a:avLst/>
+          </a:prstGeom>
+        </p:spPr>
+      </p:pic>
+    </p:spTree>
+    <p:extLst>
+      <p:ext uri="{BB962C8B-B14F-4D97-AF65-F5344CB8AC3E}">
+        <p14:creationId xmlns:p14="http://schemas.microsoft.com/office/powerpoint/2010/main" val="1484482648"/>
       </p:ext>
     </p:extLst>
   </p:cSld>

--- a/Docs/python-basics.pptx
+++ b/Docs/python-basics.pptx
@@ -5,7 +5,7 @@
     <p:sldMasterId id="2147483648" r:id="rId1"/>
   </p:sldMasterIdLst>
   <p:notesMasterIdLst>
-    <p:notesMasterId r:id="rId40"/>
+    <p:notesMasterId r:id="rId46"/>
   </p:notesMasterIdLst>
   <p:sldIdLst>
     <p:sldId id="256" r:id="rId2"/>
@@ -46,6 +46,12 @@
     <p:sldId id="293" r:id="rId37"/>
     <p:sldId id="294" r:id="rId38"/>
     <p:sldId id="295" r:id="rId39"/>
+    <p:sldId id="296" r:id="rId40"/>
+    <p:sldId id="297" r:id="rId41"/>
+    <p:sldId id="298" r:id="rId42"/>
+    <p:sldId id="299" r:id="rId43"/>
+    <p:sldId id="300" r:id="rId44"/>
+    <p:sldId id="301" r:id="rId45"/>
   </p:sldIdLst>
   <p:sldSz cx="9144000" cy="6858000" type="screen4x3"/>
   <p:notesSz cx="6858000" cy="9144000"/>
@@ -14661,6 +14667,117 @@
 </p:sld>
 </file>
 
+<file path=ppt/slides/slide39.xml><?xml version="1.0" encoding="utf-8"?>
+<p:sld xmlns:a="http://schemas.openxmlformats.org/drawingml/2006/main" xmlns:r="http://schemas.openxmlformats.org/officeDocument/2006/relationships" xmlns:p="http://schemas.openxmlformats.org/presentationml/2006/main">
+  <p:cSld>
+    <p:spTree>
+      <p:nvGrpSpPr>
+        <p:cNvPr id="1" name=""/>
+        <p:cNvGrpSpPr/>
+        <p:nvPr/>
+      </p:nvGrpSpPr>
+      <p:grpSpPr>
+        <a:xfrm>
+          <a:off x="0" y="0"/>
+          <a:ext cx="0" cy="0"/>
+          <a:chOff x="0" y="0"/>
+          <a:chExt cx="0" cy="0"/>
+        </a:xfrm>
+      </p:grpSpPr>
+      <p:sp>
+        <p:nvSpPr>
+          <p:cNvPr id="15362" name="Rectangle 2">
+            <a:extLst>
+              <a:ext uri="{FF2B5EF4-FFF2-40B4-BE49-F238E27FC236}">
+                <a16:creationId xmlns:a16="http://schemas.microsoft.com/office/drawing/2014/main" id="{3BE134E6-7043-566F-C648-8745D31C4512}"/>
+              </a:ext>
+            </a:extLst>
+          </p:cNvPr>
+          <p:cNvSpPr>
+            <a:spLocks noGrp="1" noChangeArrowheads="1"/>
+          </p:cNvSpPr>
+          <p:nvPr>
+            <p:ph type="title"/>
+          </p:nvPr>
+        </p:nvSpPr>
+        <p:spPr/>
+        <p:txBody>
+          <a:bodyPr/>
+          <a:lstStyle/>
+          <a:p>
+            <a:pPr eaLnBrk="1" hangingPunct="1"/>
+            <a:r>
+              <a:rPr lang="en-US" altLang="en-US"/>
+              <a:t>Assignment</a:t>
+            </a:r>
+          </a:p>
+        </p:txBody>
+      </p:sp>
+      <p:sp>
+        <p:nvSpPr>
+          <p:cNvPr id="15363" name="Rectangle 3">
+            <a:extLst>
+              <a:ext uri="{FF2B5EF4-FFF2-40B4-BE49-F238E27FC236}">
+                <a16:creationId xmlns:a16="http://schemas.microsoft.com/office/drawing/2014/main" id="{5E8D9797-0762-2832-F51F-ABD8EBED5D2A}"/>
+              </a:ext>
+            </a:extLst>
+          </p:cNvPr>
+          <p:cNvSpPr>
+            <a:spLocks noGrp="1" noChangeArrowheads="1"/>
+          </p:cNvSpPr>
+          <p:nvPr>
+            <p:ph type="body" idx="1"/>
+          </p:nvPr>
+        </p:nvSpPr>
+        <p:spPr/>
+        <p:txBody>
+          <a:bodyPr/>
+          <a:lstStyle/>
+          <a:p>
+            <a:pPr eaLnBrk="1" hangingPunct="1"/>
+            <a:r>
+              <a:rPr lang="en-US" altLang="en-US" dirty="0"/>
+              <a:t>Write a program to implement backend database CRUD operations in Python</a:t>
+            </a:r>
+          </a:p>
+          <a:p>
+            <a:pPr marL="0" indent="0" eaLnBrk="1" hangingPunct="1">
+              <a:buNone/>
+            </a:pPr>
+            <a:r>
+              <a:rPr lang="en-US" altLang="en-US" sz="1800" b="1" i="1" dirty="0"/>
+              <a:t>Note: </a:t>
+            </a:r>
+            <a:r>
+              <a:rPr lang="en-US" altLang="en-US" sz="1800" i="1" dirty="0"/>
+              <a:t>APIs are already developed in Java backend project repo</a:t>
+            </a:r>
+          </a:p>
+          <a:p>
+            <a:pPr eaLnBrk="1" hangingPunct="1"/>
+            <a:endParaRPr lang="en-US" altLang="en-US" dirty="0"/>
+          </a:p>
+          <a:p>
+            <a:pPr eaLnBrk="1" hangingPunct="1"/>
+            <a:endParaRPr lang="en-US" altLang="en-US" sz="1800" dirty="0">
+              <a:latin typeface="Courier New" panose="02070309020205020404" pitchFamily="49" charset="0"/>
+            </a:endParaRPr>
+          </a:p>
+        </p:txBody>
+      </p:sp>
+    </p:spTree>
+    <p:extLst>
+      <p:ext uri="{BB962C8B-B14F-4D97-AF65-F5344CB8AC3E}">
+        <p14:creationId xmlns:p14="http://schemas.microsoft.com/office/powerpoint/2010/main" val="3902920268"/>
+      </p:ext>
+    </p:extLst>
+  </p:cSld>
+  <p:clrMapOvr>
+    <a:masterClrMapping/>
+  </p:clrMapOvr>
+</p:sld>
+</file>
+
 <file path=ppt/slides/slide4.xml><?xml version="1.0" encoding="utf-8"?>
 <p:sld xmlns:a="http://schemas.openxmlformats.org/drawingml/2006/main" xmlns:r="http://schemas.openxmlformats.org/officeDocument/2006/relationships" xmlns:p="http://schemas.openxmlformats.org/presentationml/2006/main">
   <p:cSld>
@@ -18155,6 +18272,857 @@
         </p:grpSp>
       </p:grpSp>
     </p:spTree>
+  </p:cSld>
+  <p:clrMapOvr>
+    <a:masterClrMapping/>
+  </p:clrMapOvr>
+</p:sld>
+</file>
+
+<file path=ppt/slides/slide40.xml><?xml version="1.0" encoding="utf-8"?>
+<p:sld xmlns:a="http://schemas.openxmlformats.org/drawingml/2006/main" xmlns:r="http://schemas.openxmlformats.org/officeDocument/2006/relationships" xmlns:p="http://schemas.openxmlformats.org/presentationml/2006/main">
+  <p:cSld>
+    <p:spTree>
+      <p:nvGrpSpPr>
+        <p:cNvPr id="1" name=""/>
+        <p:cNvGrpSpPr/>
+        <p:nvPr/>
+      </p:nvGrpSpPr>
+      <p:grpSpPr>
+        <a:xfrm>
+          <a:off x="0" y="0"/>
+          <a:ext cx="0" cy="0"/>
+          <a:chOff x="0" y="0"/>
+          <a:chExt cx="0" cy="0"/>
+        </a:xfrm>
+      </p:grpSpPr>
+      <p:sp>
+        <p:nvSpPr>
+          <p:cNvPr id="2" name="Title 1">
+            <a:extLst>
+              <a:ext uri="{FF2B5EF4-FFF2-40B4-BE49-F238E27FC236}">
+                <a16:creationId xmlns:a16="http://schemas.microsoft.com/office/drawing/2014/main" id="{6B5D75E8-627E-CA5D-09BD-62FD99F0EB3C}"/>
+              </a:ext>
+            </a:extLst>
+          </p:cNvPr>
+          <p:cNvSpPr>
+            <a:spLocks noGrp="1"/>
+          </p:cNvSpPr>
+          <p:nvPr>
+            <p:ph type="title"/>
+          </p:nvPr>
+        </p:nvSpPr>
+        <p:spPr/>
+        <p:txBody>
+          <a:bodyPr/>
+          <a:lstStyle/>
+          <a:p>
+            <a:r>
+              <a:rPr lang="en-US" dirty="0"/>
+              <a:t>Python Frameworks</a:t>
+            </a:r>
+            <a:endParaRPr lang="en-IN" dirty="0"/>
+          </a:p>
+        </p:txBody>
+      </p:sp>
+      <p:sp>
+        <p:nvSpPr>
+          <p:cNvPr id="3" name="Content Placeholder 2">
+            <a:extLst>
+              <a:ext uri="{FF2B5EF4-FFF2-40B4-BE49-F238E27FC236}">
+                <a16:creationId xmlns:a16="http://schemas.microsoft.com/office/drawing/2014/main" id="{DEB4F8EB-EE03-1D5B-C031-55DDBEF40658}"/>
+              </a:ext>
+            </a:extLst>
+          </p:cNvPr>
+          <p:cNvSpPr>
+            <a:spLocks noGrp="1"/>
+          </p:cNvSpPr>
+          <p:nvPr>
+            <p:ph idx="1"/>
+          </p:nvPr>
+        </p:nvSpPr>
+        <p:spPr>
+          <a:xfrm>
+            <a:off x="228600" y="1151138"/>
+            <a:ext cx="8686800" cy="4953000"/>
+          </a:xfrm>
+        </p:spPr>
+        <p:txBody>
+          <a:bodyPr/>
+          <a:lstStyle/>
+          <a:p>
+            <a:pPr eaLnBrk="1" hangingPunct="1"/>
+            <a:r>
+              <a:rPr lang="en-US" b="1" dirty="0"/>
+              <a:t>Django</a:t>
+            </a:r>
+          </a:p>
+          <a:p>
+            <a:pPr lvl="1" eaLnBrk="1" hangingPunct="1"/>
+            <a:r>
+              <a:rPr lang="en-US" sz="1800" dirty="0"/>
+              <a:t>ORM (Object-Relational Mapping) for database interactions</a:t>
+            </a:r>
+          </a:p>
+          <a:p>
+            <a:pPr lvl="1" eaLnBrk="1" hangingPunct="1"/>
+            <a:r>
+              <a:rPr lang="en-US" sz="1800" dirty="0"/>
+              <a:t>Built-in admin interface for quick backend management</a:t>
+            </a:r>
+          </a:p>
+          <a:p>
+            <a:pPr lvl="1" eaLnBrk="1" hangingPunct="1"/>
+            <a:r>
+              <a:rPr lang="en-US" sz="1800" dirty="0"/>
+              <a:t>Robust security features, including protection against SQL injection, cross-site scripting, and CSRF</a:t>
+            </a:r>
+          </a:p>
+          <a:p>
+            <a:pPr lvl="1" eaLnBrk="1" hangingPunct="1"/>
+            <a:r>
+              <a:rPr lang="en-US" sz="1800" dirty="0"/>
+              <a:t>URL routing system for clean, SEO-friendly URLs</a:t>
+            </a:r>
+          </a:p>
+          <a:p>
+            <a:pPr lvl="1" eaLnBrk="1" hangingPunct="1"/>
+            <a:r>
+              <a:rPr lang="en-US" sz="1800" dirty="0"/>
+              <a:t>Template engine for dynamic HTML generation</a:t>
+            </a:r>
+          </a:p>
+          <a:p>
+            <a:pPr lvl="1" eaLnBrk="1" hangingPunct="1"/>
+            <a:r>
+              <a:rPr lang="en-US" sz="1800" dirty="0"/>
+              <a:t>Extensive documentation and large community support</a:t>
+            </a:r>
+          </a:p>
+          <a:p>
+            <a:pPr lvl="1" eaLnBrk="1" hangingPunct="1"/>
+            <a:endParaRPr lang="en-US" sz="1800" dirty="0"/>
+          </a:p>
+          <a:p>
+            <a:pPr eaLnBrk="1" hangingPunct="1"/>
+            <a:r>
+              <a:rPr lang="en-US" b="1" dirty="0">
+                <a:highlight>
+                  <a:srgbClr val="FFFF00"/>
+                </a:highlight>
+              </a:rPr>
+              <a:t>Flask</a:t>
+            </a:r>
+          </a:p>
+          <a:p>
+            <a:pPr lvl="1" eaLnBrk="1" hangingPunct="1"/>
+            <a:r>
+              <a:rPr lang="en-IN" sz="1800" dirty="0"/>
+              <a:t>Lightweight and easy to get started</a:t>
+            </a:r>
+          </a:p>
+          <a:p>
+            <a:pPr lvl="1" eaLnBrk="1" hangingPunct="1"/>
+            <a:r>
+              <a:rPr lang="en-IN" sz="1800" dirty="0"/>
+              <a:t>Jinja2 templating engine for dynamic content</a:t>
+            </a:r>
+          </a:p>
+          <a:p>
+            <a:pPr lvl="1" eaLnBrk="1" hangingPunct="1"/>
+            <a:r>
+              <a:rPr lang="en-IN" sz="1800" dirty="0"/>
+              <a:t>Built-in development server and debugger</a:t>
+            </a:r>
+          </a:p>
+          <a:p>
+            <a:pPr lvl="1" eaLnBrk="1" hangingPunct="1"/>
+            <a:r>
+              <a:rPr lang="en-IN" sz="1800" dirty="0"/>
+              <a:t>RESTful request dispatching</a:t>
+            </a:r>
+          </a:p>
+          <a:p>
+            <a:pPr lvl="1" eaLnBrk="1" hangingPunct="1"/>
+            <a:r>
+              <a:rPr lang="en-IN" sz="1800" dirty="0"/>
+              <a:t>Extensive documentation and active community</a:t>
+            </a:r>
+          </a:p>
+          <a:p>
+            <a:pPr marL="0" indent="0" eaLnBrk="1" hangingPunct="1">
+              <a:buNone/>
+            </a:pPr>
+            <a:endParaRPr lang="en-IN" dirty="0"/>
+          </a:p>
+        </p:txBody>
+      </p:sp>
+    </p:spTree>
+    <p:extLst>
+      <p:ext uri="{BB962C8B-B14F-4D97-AF65-F5344CB8AC3E}">
+        <p14:creationId xmlns:p14="http://schemas.microsoft.com/office/powerpoint/2010/main" val="3925879176"/>
+      </p:ext>
+    </p:extLst>
+  </p:cSld>
+  <p:clrMapOvr>
+    <a:masterClrMapping/>
+  </p:clrMapOvr>
+</p:sld>
+</file>
+
+<file path=ppt/slides/slide41.xml><?xml version="1.0" encoding="utf-8"?>
+<p:sld xmlns:a="http://schemas.openxmlformats.org/drawingml/2006/main" xmlns:r="http://schemas.openxmlformats.org/officeDocument/2006/relationships" xmlns:p="http://schemas.openxmlformats.org/presentationml/2006/main">
+  <p:cSld>
+    <p:spTree>
+      <p:nvGrpSpPr>
+        <p:cNvPr id="1" name=""/>
+        <p:cNvGrpSpPr/>
+        <p:nvPr/>
+      </p:nvGrpSpPr>
+      <p:grpSpPr>
+        <a:xfrm>
+          <a:off x="0" y="0"/>
+          <a:ext cx="0" cy="0"/>
+          <a:chOff x="0" y="0"/>
+          <a:chExt cx="0" cy="0"/>
+        </a:xfrm>
+      </p:grpSpPr>
+      <p:sp>
+        <p:nvSpPr>
+          <p:cNvPr id="2" name="Title 1">
+            <a:extLst>
+              <a:ext uri="{FF2B5EF4-FFF2-40B4-BE49-F238E27FC236}">
+                <a16:creationId xmlns:a16="http://schemas.microsoft.com/office/drawing/2014/main" id="{6B5D75E8-627E-CA5D-09BD-62FD99F0EB3C}"/>
+              </a:ext>
+            </a:extLst>
+          </p:cNvPr>
+          <p:cNvSpPr>
+            <a:spLocks noGrp="1"/>
+          </p:cNvSpPr>
+          <p:nvPr>
+            <p:ph type="title"/>
+          </p:nvPr>
+        </p:nvSpPr>
+        <p:spPr/>
+        <p:txBody>
+          <a:bodyPr/>
+          <a:lstStyle/>
+          <a:p>
+            <a:r>
+              <a:rPr lang="en-US" dirty="0"/>
+              <a:t>Flask Framework</a:t>
+            </a:r>
+            <a:endParaRPr lang="en-IN" dirty="0"/>
+          </a:p>
+        </p:txBody>
+      </p:sp>
+      <p:sp>
+        <p:nvSpPr>
+          <p:cNvPr id="3" name="Content Placeholder 2">
+            <a:extLst>
+              <a:ext uri="{FF2B5EF4-FFF2-40B4-BE49-F238E27FC236}">
+                <a16:creationId xmlns:a16="http://schemas.microsoft.com/office/drawing/2014/main" id="{DEB4F8EB-EE03-1D5B-C031-55DDBEF40658}"/>
+              </a:ext>
+            </a:extLst>
+          </p:cNvPr>
+          <p:cNvSpPr>
+            <a:spLocks noGrp="1"/>
+          </p:cNvSpPr>
+          <p:nvPr>
+            <p:ph idx="1"/>
+          </p:nvPr>
+        </p:nvSpPr>
+        <p:spPr>
+          <a:xfrm>
+            <a:off x="228600" y="914400"/>
+            <a:ext cx="8686800" cy="4953000"/>
+          </a:xfrm>
+        </p:spPr>
+        <p:txBody>
+          <a:bodyPr/>
+          <a:lstStyle/>
+          <a:p>
+            <a:pPr marL="457200" lvl="1" indent="0" eaLnBrk="1" hangingPunct="1">
+              <a:buNone/>
+            </a:pPr>
+            <a:endParaRPr lang="en-US" sz="1800" dirty="0"/>
+          </a:p>
+          <a:p>
+            <a:pPr marL="0" indent="0" eaLnBrk="1" hangingPunct="1">
+              <a:buNone/>
+            </a:pPr>
+            <a:endParaRPr lang="en-US" dirty="0"/>
+          </a:p>
+          <a:p>
+            <a:pPr marL="0" indent="0" eaLnBrk="1" hangingPunct="1">
+              <a:buNone/>
+            </a:pPr>
+            <a:endParaRPr lang="en-US" dirty="0"/>
+          </a:p>
+          <a:p>
+            <a:pPr marL="0" indent="0" algn="just" eaLnBrk="1" hangingPunct="1">
+              <a:buNone/>
+            </a:pPr>
+            <a:r>
+              <a:rPr lang="en-US" dirty="0"/>
+              <a:t>Flask is a lightweight Python web framework that provides useful tools and features for creating web applications in the Python Language. It gives developers flexibility and is an accessible framework for new developers because you can build a web application quickly using only a single Python file. Flask is also extensible and doesn’t force a particular directory structure or require complicated boilerplate code before getting started.</a:t>
+            </a:r>
+            <a:endParaRPr lang="en-IN" dirty="0"/>
+          </a:p>
+        </p:txBody>
+      </p:sp>
+    </p:spTree>
+    <p:extLst>
+      <p:ext uri="{BB962C8B-B14F-4D97-AF65-F5344CB8AC3E}">
+        <p14:creationId xmlns:p14="http://schemas.microsoft.com/office/powerpoint/2010/main" val="63456044"/>
+      </p:ext>
+    </p:extLst>
+  </p:cSld>
+  <p:clrMapOvr>
+    <a:masterClrMapping/>
+  </p:clrMapOvr>
+</p:sld>
+</file>
+
+<file path=ppt/slides/slide42.xml><?xml version="1.0" encoding="utf-8"?>
+<p:sld xmlns:a="http://schemas.openxmlformats.org/drawingml/2006/main" xmlns:r="http://schemas.openxmlformats.org/officeDocument/2006/relationships" xmlns:p="http://schemas.openxmlformats.org/presentationml/2006/main">
+  <p:cSld>
+    <p:spTree>
+      <p:nvGrpSpPr>
+        <p:cNvPr id="1" name=""/>
+        <p:cNvGrpSpPr/>
+        <p:nvPr/>
+      </p:nvGrpSpPr>
+      <p:grpSpPr>
+        <a:xfrm>
+          <a:off x="0" y="0"/>
+          <a:ext cx="0" cy="0"/>
+          <a:chOff x="0" y="0"/>
+          <a:chExt cx="0" cy="0"/>
+        </a:xfrm>
+      </p:grpSpPr>
+      <p:sp>
+        <p:nvSpPr>
+          <p:cNvPr id="2" name="Title 1">
+            <a:extLst>
+              <a:ext uri="{FF2B5EF4-FFF2-40B4-BE49-F238E27FC236}">
+                <a16:creationId xmlns:a16="http://schemas.microsoft.com/office/drawing/2014/main" id="{6B5D75E8-627E-CA5D-09BD-62FD99F0EB3C}"/>
+              </a:ext>
+            </a:extLst>
+          </p:cNvPr>
+          <p:cNvSpPr>
+            <a:spLocks noGrp="1"/>
+          </p:cNvSpPr>
+          <p:nvPr>
+            <p:ph type="title"/>
+          </p:nvPr>
+        </p:nvSpPr>
+        <p:spPr/>
+        <p:txBody>
+          <a:bodyPr/>
+          <a:lstStyle/>
+          <a:p>
+            <a:r>
+              <a:rPr lang="en-US" dirty="0"/>
+              <a:t>Flask Framework</a:t>
+            </a:r>
+            <a:endParaRPr lang="en-IN" dirty="0"/>
+          </a:p>
+        </p:txBody>
+      </p:sp>
+      <p:sp>
+        <p:nvSpPr>
+          <p:cNvPr id="3" name="Content Placeholder 2">
+            <a:extLst>
+              <a:ext uri="{FF2B5EF4-FFF2-40B4-BE49-F238E27FC236}">
+                <a16:creationId xmlns:a16="http://schemas.microsoft.com/office/drawing/2014/main" id="{DEB4F8EB-EE03-1D5B-C031-55DDBEF40658}"/>
+              </a:ext>
+            </a:extLst>
+          </p:cNvPr>
+          <p:cNvSpPr>
+            <a:spLocks noGrp="1"/>
+          </p:cNvSpPr>
+          <p:nvPr>
+            <p:ph idx="1"/>
+          </p:nvPr>
+        </p:nvSpPr>
+        <p:spPr>
+          <a:xfrm>
+            <a:off x="228600" y="914400"/>
+            <a:ext cx="8686800" cy="4953000"/>
+          </a:xfrm>
+        </p:spPr>
+        <p:txBody>
+          <a:bodyPr/>
+          <a:lstStyle/>
+          <a:p>
+            <a:pPr marL="457200" lvl="1" indent="0" eaLnBrk="1" hangingPunct="1">
+              <a:buNone/>
+            </a:pPr>
+            <a:endParaRPr lang="en-US" sz="1800" dirty="0"/>
+          </a:p>
+          <a:p>
+            <a:pPr marL="0" indent="0" eaLnBrk="1" hangingPunct="1">
+              <a:buNone/>
+            </a:pPr>
+            <a:endParaRPr lang="en-US" dirty="0"/>
+          </a:p>
+          <a:p>
+            <a:pPr marL="0" indent="0" eaLnBrk="1" hangingPunct="1">
+              <a:buNone/>
+            </a:pPr>
+            <a:endParaRPr lang="en-US" dirty="0"/>
+          </a:p>
+        </p:txBody>
+      </p:sp>
+      <p:pic>
+        <p:nvPicPr>
+          <p:cNvPr id="5" name="Picture 4">
+            <a:extLst>
+              <a:ext uri="{FF2B5EF4-FFF2-40B4-BE49-F238E27FC236}">
+                <a16:creationId xmlns:a16="http://schemas.microsoft.com/office/drawing/2014/main" id="{8CA7C074-961F-397C-FC91-C0E126E92564}"/>
+              </a:ext>
+            </a:extLst>
+          </p:cNvPr>
+          <p:cNvPicPr>
+            <a:picLocks noChangeAspect="1"/>
+          </p:cNvPicPr>
+          <p:nvPr/>
+        </p:nvPicPr>
+        <p:blipFill>
+          <a:blip r:embed="rId2"/>
+          <a:stretch>
+            <a:fillRect/>
+          </a:stretch>
+        </p:blipFill>
+        <p:spPr>
+          <a:xfrm>
+            <a:off x="1600200" y="3733800"/>
+            <a:ext cx="6886575" cy="2838450"/>
+          </a:xfrm>
+          <a:prstGeom prst="rect">
+            <a:avLst/>
+          </a:prstGeom>
+        </p:spPr>
+      </p:pic>
+      <p:sp>
+        <p:nvSpPr>
+          <p:cNvPr id="7" name="TextBox 6">
+            <a:extLst>
+              <a:ext uri="{FF2B5EF4-FFF2-40B4-BE49-F238E27FC236}">
+                <a16:creationId xmlns:a16="http://schemas.microsoft.com/office/drawing/2014/main" id="{69CBEDB5-F6D5-5FC7-3D76-DA1B0B315A03}"/>
+              </a:ext>
+            </a:extLst>
+          </p:cNvPr>
+          <p:cNvSpPr txBox="1"/>
+          <p:nvPr/>
+        </p:nvSpPr>
+        <p:spPr>
+          <a:xfrm>
+            <a:off x="76200" y="1143000"/>
+            <a:ext cx="6705600" cy="2308324"/>
+          </a:xfrm>
+          <a:prstGeom prst="rect">
+            <a:avLst/>
+          </a:prstGeom>
+          <a:noFill/>
+        </p:spPr>
+        <p:txBody>
+          <a:bodyPr wrap="square">
+            <a:spAutoFit/>
+          </a:bodyPr>
+          <a:lstStyle/>
+          <a:p>
+            <a:pPr eaLnBrk="1" hangingPunct="1"/>
+            <a:r>
+              <a:rPr lang="en-US" b="1" dirty="0"/>
+              <a:t>Step 1: Create virtual environment</a:t>
+            </a:r>
+          </a:p>
+          <a:p>
+            <a:pPr eaLnBrk="1" hangingPunct="1"/>
+            <a:r>
+              <a:rPr lang="en-US" dirty="0" err="1"/>
+              <a:t>py</a:t>
+            </a:r>
+            <a:r>
+              <a:rPr lang="en-US" dirty="0"/>
+              <a:t> -3 -m </a:t>
+            </a:r>
+            <a:r>
+              <a:rPr lang="en-US" dirty="0" err="1"/>
+              <a:t>venv</a:t>
+            </a:r>
+            <a:r>
+              <a:rPr lang="en-US" dirty="0"/>
+              <a:t> </a:t>
+            </a:r>
+            <a:r>
+              <a:rPr lang="en-US" dirty="0" err="1"/>
+              <a:t>venv</a:t>
+            </a:r>
+            <a:endParaRPr lang="en-US" dirty="0"/>
+          </a:p>
+          <a:p>
+            <a:pPr eaLnBrk="1" hangingPunct="1"/>
+            <a:endParaRPr lang="en-US" dirty="0"/>
+          </a:p>
+          <a:p>
+            <a:pPr eaLnBrk="1" hangingPunct="1"/>
+            <a:r>
+              <a:rPr lang="en-US" b="1" dirty="0"/>
+              <a:t>Step 2: Activate scripts</a:t>
+            </a:r>
+          </a:p>
+          <a:p>
+            <a:pPr eaLnBrk="1" hangingPunct="1"/>
+            <a:r>
+              <a:rPr lang="en-US" dirty="0" err="1"/>
+              <a:t>venv</a:t>
+            </a:r>
+            <a:r>
+              <a:rPr lang="en-US" dirty="0"/>
+              <a:t>\Scripts\activate</a:t>
+            </a:r>
+          </a:p>
+          <a:p>
+            <a:pPr eaLnBrk="1" hangingPunct="1"/>
+            <a:endParaRPr lang="en-US" dirty="0"/>
+          </a:p>
+          <a:p>
+            <a:pPr eaLnBrk="1" hangingPunct="1"/>
+            <a:r>
+              <a:rPr lang="en-US" b="1" dirty="0"/>
+              <a:t>Step 3: Install the following module</a:t>
+            </a:r>
+          </a:p>
+          <a:p>
+            <a:pPr lvl="1" eaLnBrk="1" hangingPunct="1"/>
+            <a:r>
+              <a:rPr lang="en-IN" dirty="0"/>
+              <a:t>pip install Flask</a:t>
+            </a:r>
+          </a:p>
+        </p:txBody>
+      </p:sp>
+    </p:spTree>
+    <p:extLst>
+      <p:ext uri="{BB962C8B-B14F-4D97-AF65-F5344CB8AC3E}">
+        <p14:creationId xmlns:p14="http://schemas.microsoft.com/office/powerpoint/2010/main" val="4113830508"/>
+      </p:ext>
+    </p:extLst>
+  </p:cSld>
+  <p:clrMapOvr>
+    <a:masterClrMapping/>
+  </p:clrMapOvr>
+</p:sld>
+</file>
+
+<file path=ppt/slides/slide43.xml><?xml version="1.0" encoding="utf-8"?>
+<p:sld xmlns:a="http://schemas.openxmlformats.org/drawingml/2006/main" xmlns:r="http://schemas.openxmlformats.org/officeDocument/2006/relationships" xmlns:p="http://schemas.openxmlformats.org/presentationml/2006/main">
+  <p:cSld>
+    <p:spTree>
+      <p:nvGrpSpPr>
+        <p:cNvPr id="1" name=""/>
+        <p:cNvGrpSpPr/>
+        <p:nvPr/>
+      </p:nvGrpSpPr>
+      <p:grpSpPr>
+        <a:xfrm>
+          <a:off x="0" y="0"/>
+          <a:ext cx="0" cy="0"/>
+          <a:chOff x="0" y="0"/>
+          <a:chExt cx="0" cy="0"/>
+        </a:xfrm>
+      </p:grpSpPr>
+      <p:sp>
+        <p:nvSpPr>
+          <p:cNvPr id="2" name="Title 1">
+            <a:extLst>
+              <a:ext uri="{FF2B5EF4-FFF2-40B4-BE49-F238E27FC236}">
+                <a16:creationId xmlns:a16="http://schemas.microsoft.com/office/drawing/2014/main" id="{6B5D75E8-627E-CA5D-09BD-62FD99F0EB3C}"/>
+              </a:ext>
+            </a:extLst>
+          </p:cNvPr>
+          <p:cNvSpPr>
+            <a:spLocks noGrp="1"/>
+          </p:cNvSpPr>
+          <p:nvPr>
+            <p:ph type="title"/>
+          </p:nvPr>
+        </p:nvSpPr>
+        <p:spPr/>
+        <p:txBody>
+          <a:bodyPr/>
+          <a:lstStyle/>
+          <a:p>
+            <a:r>
+              <a:rPr lang="en-US" dirty="0"/>
+              <a:t>Running the app</a:t>
+            </a:r>
+            <a:endParaRPr lang="en-IN" dirty="0"/>
+          </a:p>
+        </p:txBody>
+      </p:sp>
+      <p:sp>
+        <p:nvSpPr>
+          <p:cNvPr id="3" name="Content Placeholder 2">
+            <a:extLst>
+              <a:ext uri="{FF2B5EF4-FFF2-40B4-BE49-F238E27FC236}">
+                <a16:creationId xmlns:a16="http://schemas.microsoft.com/office/drawing/2014/main" id="{DEB4F8EB-EE03-1D5B-C031-55DDBEF40658}"/>
+              </a:ext>
+            </a:extLst>
+          </p:cNvPr>
+          <p:cNvSpPr>
+            <a:spLocks noGrp="1"/>
+          </p:cNvSpPr>
+          <p:nvPr>
+            <p:ph idx="1"/>
+          </p:nvPr>
+        </p:nvSpPr>
+        <p:spPr>
+          <a:xfrm>
+            <a:off x="228600" y="914400"/>
+            <a:ext cx="8686800" cy="4953000"/>
+          </a:xfrm>
+        </p:spPr>
+        <p:txBody>
+          <a:bodyPr/>
+          <a:lstStyle/>
+          <a:p>
+            <a:pPr marL="457200" lvl="1" indent="0" eaLnBrk="1" hangingPunct="1">
+              <a:buNone/>
+            </a:pPr>
+            <a:endParaRPr lang="en-US" sz="1800" dirty="0"/>
+          </a:p>
+          <a:p>
+            <a:pPr marL="0" indent="0" eaLnBrk="1" hangingPunct="1">
+              <a:buNone/>
+            </a:pPr>
+            <a:endParaRPr lang="en-US" dirty="0"/>
+          </a:p>
+          <a:p>
+            <a:pPr marL="0" indent="0" eaLnBrk="1" hangingPunct="1">
+              <a:buNone/>
+            </a:pPr>
+            <a:endParaRPr lang="en-US" dirty="0"/>
+          </a:p>
+        </p:txBody>
+      </p:sp>
+      <p:sp>
+        <p:nvSpPr>
+          <p:cNvPr id="7" name="TextBox 6">
+            <a:extLst>
+              <a:ext uri="{FF2B5EF4-FFF2-40B4-BE49-F238E27FC236}">
+                <a16:creationId xmlns:a16="http://schemas.microsoft.com/office/drawing/2014/main" id="{69CBEDB5-F6D5-5FC7-3D76-DA1B0B315A03}"/>
+              </a:ext>
+            </a:extLst>
+          </p:cNvPr>
+          <p:cNvSpPr txBox="1"/>
+          <p:nvPr/>
+        </p:nvSpPr>
+        <p:spPr>
+          <a:xfrm>
+            <a:off x="76200" y="1154707"/>
+            <a:ext cx="6705600" cy="2585323"/>
+          </a:xfrm>
+          <a:prstGeom prst="rect">
+            <a:avLst/>
+          </a:prstGeom>
+          <a:noFill/>
+        </p:spPr>
+        <p:txBody>
+          <a:bodyPr wrap="square">
+            <a:spAutoFit/>
+          </a:bodyPr>
+          <a:lstStyle/>
+          <a:p>
+            <a:pPr eaLnBrk="1" hangingPunct="1"/>
+            <a:r>
+              <a:rPr lang="en-US" b="1" dirty="0"/>
+              <a:t>Step 4: Setting Flask environment variables</a:t>
+            </a:r>
+          </a:p>
+          <a:p>
+            <a:pPr eaLnBrk="1" hangingPunct="1"/>
+            <a:endParaRPr lang="da-DK" dirty="0"/>
+          </a:p>
+          <a:p>
+            <a:pPr eaLnBrk="1" hangingPunct="1"/>
+            <a:r>
+              <a:rPr lang="da-DK" dirty="0"/>
+              <a:t>set FLASK_APP=app.py</a:t>
+            </a:r>
+          </a:p>
+          <a:p>
+            <a:pPr eaLnBrk="1" hangingPunct="1"/>
+            <a:r>
+              <a:rPr lang="en-US" dirty="0"/>
+              <a:t>set FLASK_ENV=development</a:t>
+            </a:r>
+            <a:endParaRPr lang="da-DK" dirty="0"/>
+          </a:p>
+          <a:p>
+            <a:pPr eaLnBrk="1" hangingPunct="1"/>
+            <a:endParaRPr lang="en-US" dirty="0"/>
+          </a:p>
+          <a:p>
+            <a:pPr eaLnBrk="1" hangingPunct="1"/>
+            <a:r>
+              <a:rPr lang="en-US" b="1" dirty="0"/>
+              <a:t>Step 5: Run the app</a:t>
+            </a:r>
+          </a:p>
+          <a:p>
+            <a:pPr eaLnBrk="1" hangingPunct="1"/>
+            <a:r>
+              <a:rPr lang="en-US" dirty="0"/>
+              <a:t>flask run</a:t>
+            </a:r>
+          </a:p>
+          <a:p>
+            <a:pPr eaLnBrk="1" hangingPunct="1"/>
+            <a:endParaRPr lang="en-US" dirty="0"/>
+          </a:p>
+          <a:p>
+            <a:pPr eaLnBrk="1" hangingPunct="1"/>
+            <a:r>
+              <a:rPr lang="en-US" b="1" dirty="0"/>
+              <a:t>Step 6: Open browser to view output</a:t>
+            </a:r>
+          </a:p>
+        </p:txBody>
+      </p:sp>
+      <p:pic>
+        <p:nvPicPr>
+          <p:cNvPr id="6" name="Picture 5">
+            <a:extLst>
+              <a:ext uri="{FF2B5EF4-FFF2-40B4-BE49-F238E27FC236}">
+                <a16:creationId xmlns:a16="http://schemas.microsoft.com/office/drawing/2014/main" id="{D820A731-61B3-DB0D-71F1-506A1E10785D}"/>
+              </a:ext>
+            </a:extLst>
+          </p:cNvPr>
+          <p:cNvPicPr>
+            <a:picLocks noChangeAspect="1"/>
+          </p:cNvPicPr>
+          <p:nvPr/>
+        </p:nvPicPr>
+        <p:blipFill>
+          <a:blip r:embed="rId2"/>
+          <a:stretch>
+            <a:fillRect/>
+          </a:stretch>
+        </p:blipFill>
+        <p:spPr>
+          <a:xfrm>
+            <a:off x="381000" y="3810000"/>
+            <a:ext cx="8229600" cy="2386409"/>
+          </a:xfrm>
+          <a:prstGeom prst="rect">
+            <a:avLst/>
+          </a:prstGeom>
+        </p:spPr>
+      </p:pic>
+    </p:spTree>
+    <p:extLst>
+      <p:ext uri="{BB962C8B-B14F-4D97-AF65-F5344CB8AC3E}">
+        <p14:creationId xmlns:p14="http://schemas.microsoft.com/office/powerpoint/2010/main" val="2791899237"/>
+      </p:ext>
+    </p:extLst>
+  </p:cSld>
+  <p:clrMapOvr>
+    <a:masterClrMapping/>
+  </p:clrMapOvr>
+</p:sld>
+</file>
+
+<file path=ppt/slides/slide44.xml><?xml version="1.0" encoding="utf-8"?>
+<p:sld xmlns:a="http://schemas.openxmlformats.org/drawingml/2006/main" xmlns:r="http://schemas.openxmlformats.org/officeDocument/2006/relationships" xmlns:p="http://schemas.openxmlformats.org/presentationml/2006/main">
+  <p:cSld>
+    <p:spTree>
+      <p:nvGrpSpPr>
+        <p:cNvPr id="1" name=""/>
+        <p:cNvGrpSpPr/>
+        <p:nvPr/>
+      </p:nvGrpSpPr>
+      <p:grpSpPr>
+        <a:xfrm>
+          <a:off x="0" y="0"/>
+          <a:ext cx="0" cy="0"/>
+          <a:chOff x="0" y="0"/>
+          <a:chExt cx="0" cy="0"/>
+        </a:xfrm>
+      </p:grpSpPr>
+      <p:sp>
+        <p:nvSpPr>
+          <p:cNvPr id="15362" name="Rectangle 2">
+            <a:extLst>
+              <a:ext uri="{FF2B5EF4-FFF2-40B4-BE49-F238E27FC236}">
+                <a16:creationId xmlns:a16="http://schemas.microsoft.com/office/drawing/2014/main" id="{3BE134E6-7043-566F-C648-8745D31C4512}"/>
+              </a:ext>
+            </a:extLst>
+          </p:cNvPr>
+          <p:cNvSpPr>
+            <a:spLocks noGrp="1" noChangeArrowheads="1"/>
+          </p:cNvSpPr>
+          <p:nvPr>
+            <p:ph type="title"/>
+          </p:nvPr>
+        </p:nvSpPr>
+        <p:spPr/>
+        <p:txBody>
+          <a:bodyPr/>
+          <a:lstStyle/>
+          <a:p>
+            <a:pPr eaLnBrk="1" hangingPunct="1"/>
+            <a:r>
+              <a:rPr lang="en-US" altLang="en-US"/>
+              <a:t>Assignment</a:t>
+            </a:r>
+          </a:p>
+        </p:txBody>
+      </p:sp>
+      <p:sp>
+        <p:nvSpPr>
+          <p:cNvPr id="15363" name="Rectangle 3">
+            <a:extLst>
+              <a:ext uri="{FF2B5EF4-FFF2-40B4-BE49-F238E27FC236}">
+                <a16:creationId xmlns:a16="http://schemas.microsoft.com/office/drawing/2014/main" id="{5E8D9797-0762-2832-F51F-ABD8EBED5D2A}"/>
+              </a:ext>
+            </a:extLst>
+          </p:cNvPr>
+          <p:cNvSpPr>
+            <a:spLocks noGrp="1" noChangeArrowheads="1"/>
+          </p:cNvSpPr>
+          <p:nvPr>
+            <p:ph type="body" idx="1"/>
+          </p:nvPr>
+        </p:nvSpPr>
+        <p:spPr/>
+        <p:txBody>
+          <a:bodyPr/>
+          <a:lstStyle/>
+          <a:p>
+            <a:pPr eaLnBrk="1" hangingPunct="1"/>
+            <a:r>
+              <a:rPr lang="en-US" altLang="en-US" dirty="0"/>
+              <a:t>Write a program to implement ShoppingCart backend APIs using Flask framework</a:t>
+            </a:r>
+          </a:p>
+          <a:p>
+            <a:pPr eaLnBrk="1" hangingPunct="1"/>
+            <a:endParaRPr lang="en-US" altLang="en-US" sz="1800" dirty="0">
+              <a:latin typeface="Courier New" panose="02070309020205020404" pitchFamily="49" charset="0"/>
+            </a:endParaRPr>
+          </a:p>
+        </p:txBody>
+      </p:sp>
+    </p:spTree>
+    <p:extLst>
+      <p:ext uri="{BB962C8B-B14F-4D97-AF65-F5344CB8AC3E}">
+        <p14:creationId xmlns:p14="http://schemas.microsoft.com/office/powerpoint/2010/main" val="4017216487"/>
+      </p:ext>
+    </p:extLst>
   </p:cSld>
   <p:clrMapOvr>
     <a:masterClrMapping/>
